--- a/中越詩歌/有福的確據_Nầy Là Truyện Ký Tôi.pptx
+++ b/中越詩歌/有福的確據_Nầy Là Truyện Ký Tôi.pptx
@@ -128,6 +128,11 @@
       </a:defRPr>
     </a:lvl9pPr>
   </p:defaultTextStyle>
+  <p:extLst>
+    <p:ext uri="{EFAFB233-063F-42B5-8137-9DF3F51BA10A}">
+      <p15:sldGuideLst xmlns:p15="http://schemas.microsoft.com/office/powerpoint/2012/main"/>
+    </p:ext>
+  </p:extLst>
 </p:presentation>
 </file>
 
@@ -169,7 +174,7 @@
           <a:lstStyle/>
           <a:p>
             <a:r>
-              <a:rPr lang="en-US" altLang="zh-TW" smtClean="0"/>
+              <a:rPr lang="en-US" altLang="zh-TW"/>
               <a:t>Click to edit Master title style</a:t>
             </a:r>
             <a:endParaRPr lang="zh-TW" altLang="en-US"/>
@@ -288,7 +293,7 @@
           </a:lstStyle>
           <a:p>
             <a:r>
-              <a:rPr lang="en-US" altLang="zh-TW" smtClean="0"/>
+              <a:rPr lang="en-US" altLang="zh-TW"/>
               <a:t>Click to edit Master subtitle style</a:t>
             </a:r>
             <a:endParaRPr lang="zh-TW" altLang="en-US"/>
@@ -312,7 +317,7 @@
           <a:p>
             <a:fld id="{4FF67E25-0EB7-49C6-B24B-548DF23EC124}" type="datetimeFigureOut">
               <a:rPr lang="en-US" smtClean="0"/>
-              <a:t>11/4/2023</a:t>
+              <a:t>2/10/2024</a:t>
             </a:fld>
             <a:endParaRPr lang="en-US"/>
           </a:p>
@@ -406,7 +411,7 @@
           <a:lstStyle/>
           <a:p>
             <a:r>
-              <a:rPr lang="en-US" altLang="zh-TW" smtClean="0"/>
+              <a:rPr lang="en-US" altLang="zh-TW"/>
               <a:t>Click to edit Master title style</a:t>
             </a:r>
             <a:endParaRPr lang="zh-TW" altLang="en-US"/>
@@ -430,35 +435,35 @@
           <a:p>
             <a:pPr lvl="0"/>
             <a:r>
-              <a:rPr lang="en-US" altLang="zh-TW" smtClean="0"/>
+              <a:rPr lang="en-US" altLang="zh-TW"/>
               <a:t>Edit Master text styles</a:t>
             </a:r>
           </a:p>
           <a:p>
             <a:pPr lvl="1"/>
             <a:r>
-              <a:rPr lang="en-US" altLang="zh-TW" smtClean="0"/>
+              <a:rPr lang="en-US" altLang="zh-TW"/>
               <a:t>Second level</a:t>
             </a:r>
           </a:p>
           <a:p>
             <a:pPr lvl="2"/>
             <a:r>
-              <a:rPr lang="en-US" altLang="zh-TW" smtClean="0"/>
+              <a:rPr lang="en-US" altLang="zh-TW"/>
               <a:t>Third level</a:t>
             </a:r>
           </a:p>
           <a:p>
             <a:pPr lvl="3"/>
             <a:r>
-              <a:rPr lang="en-US" altLang="zh-TW" smtClean="0"/>
+              <a:rPr lang="en-US" altLang="zh-TW"/>
               <a:t>Fourth level</a:t>
             </a:r>
           </a:p>
           <a:p>
             <a:pPr lvl="4"/>
             <a:r>
-              <a:rPr lang="en-US" altLang="zh-TW" smtClean="0"/>
+              <a:rPr lang="en-US" altLang="zh-TW"/>
               <a:t>Fifth level</a:t>
             </a:r>
             <a:endParaRPr lang="zh-TW" altLang="en-US"/>
@@ -482,7 +487,7 @@
           <a:p>
             <a:fld id="{4FF67E25-0EB7-49C6-B24B-548DF23EC124}" type="datetimeFigureOut">
               <a:rPr lang="en-US" smtClean="0"/>
-              <a:t>11/4/2023</a:t>
+              <a:t>2/10/2024</a:t>
             </a:fld>
             <a:endParaRPr lang="en-US"/>
           </a:p>
@@ -581,7 +586,7 @@
           <a:lstStyle/>
           <a:p>
             <a:r>
-              <a:rPr lang="en-US" altLang="zh-TW" smtClean="0"/>
+              <a:rPr lang="en-US" altLang="zh-TW"/>
               <a:t>Click to edit Master title style</a:t>
             </a:r>
             <a:endParaRPr lang="zh-TW" altLang="en-US"/>
@@ -610,35 +615,35 @@
           <a:p>
             <a:pPr lvl="0"/>
             <a:r>
-              <a:rPr lang="en-US" altLang="zh-TW" smtClean="0"/>
+              <a:rPr lang="en-US" altLang="zh-TW"/>
               <a:t>Edit Master text styles</a:t>
             </a:r>
           </a:p>
           <a:p>
             <a:pPr lvl="1"/>
             <a:r>
-              <a:rPr lang="en-US" altLang="zh-TW" smtClean="0"/>
+              <a:rPr lang="en-US" altLang="zh-TW"/>
               <a:t>Second level</a:t>
             </a:r>
           </a:p>
           <a:p>
             <a:pPr lvl="2"/>
             <a:r>
-              <a:rPr lang="en-US" altLang="zh-TW" smtClean="0"/>
+              <a:rPr lang="en-US" altLang="zh-TW"/>
               <a:t>Third level</a:t>
             </a:r>
           </a:p>
           <a:p>
             <a:pPr lvl="3"/>
             <a:r>
-              <a:rPr lang="en-US" altLang="zh-TW" smtClean="0"/>
+              <a:rPr lang="en-US" altLang="zh-TW"/>
               <a:t>Fourth level</a:t>
             </a:r>
           </a:p>
           <a:p>
             <a:pPr lvl="4"/>
             <a:r>
-              <a:rPr lang="en-US" altLang="zh-TW" smtClean="0"/>
+              <a:rPr lang="en-US" altLang="zh-TW"/>
               <a:t>Fifth level</a:t>
             </a:r>
             <a:endParaRPr lang="zh-TW" altLang="en-US"/>
@@ -662,7 +667,7 @@
           <a:p>
             <a:fld id="{4FF67E25-0EB7-49C6-B24B-548DF23EC124}" type="datetimeFigureOut">
               <a:rPr lang="en-US" smtClean="0"/>
-              <a:t>11/4/2023</a:t>
+              <a:t>2/10/2024</a:t>
             </a:fld>
             <a:endParaRPr lang="en-US"/>
           </a:p>
@@ -756,7 +761,7 @@
           <a:lstStyle/>
           <a:p>
             <a:r>
-              <a:rPr lang="en-US" altLang="zh-TW" smtClean="0"/>
+              <a:rPr lang="en-US" altLang="zh-TW"/>
               <a:t>Click to edit Master title style</a:t>
             </a:r>
             <a:endParaRPr lang="zh-TW" altLang="en-US"/>
@@ -780,35 +785,35 @@
           <a:p>
             <a:pPr lvl="0"/>
             <a:r>
-              <a:rPr lang="en-US" altLang="zh-TW" smtClean="0"/>
+              <a:rPr lang="en-US" altLang="zh-TW"/>
               <a:t>Edit Master text styles</a:t>
             </a:r>
           </a:p>
           <a:p>
             <a:pPr lvl="1"/>
             <a:r>
-              <a:rPr lang="en-US" altLang="zh-TW" smtClean="0"/>
+              <a:rPr lang="en-US" altLang="zh-TW"/>
               <a:t>Second level</a:t>
             </a:r>
           </a:p>
           <a:p>
             <a:pPr lvl="2"/>
             <a:r>
-              <a:rPr lang="en-US" altLang="zh-TW" smtClean="0"/>
+              <a:rPr lang="en-US" altLang="zh-TW"/>
               <a:t>Third level</a:t>
             </a:r>
           </a:p>
           <a:p>
             <a:pPr lvl="3"/>
             <a:r>
-              <a:rPr lang="en-US" altLang="zh-TW" smtClean="0"/>
+              <a:rPr lang="en-US" altLang="zh-TW"/>
               <a:t>Fourth level</a:t>
             </a:r>
           </a:p>
           <a:p>
             <a:pPr lvl="4"/>
             <a:r>
-              <a:rPr lang="en-US" altLang="zh-TW" smtClean="0"/>
+              <a:rPr lang="en-US" altLang="zh-TW"/>
               <a:t>Fifth level</a:t>
             </a:r>
             <a:endParaRPr lang="zh-TW" altLang="en-US"/>
@@ -832,7 +837,7 @@
           <a:p>
             <a:fld id="{4FF67E25-0EB7-49C6-B24B-548DF23EC124}" type="datetimeFigureOut">
               <a:rPr lang="en-US" smtClean="0"/>
-              <a:t>11/4/2023</a:t>
+              <a:t>2/10/2024</a:t>
             </a:fld>
             <a:endParaRPr lang="en-US"/>
           </a:p>
@@ -935,7 +940,7 @@
           </a:lstStyle>
           <a:p>
             <a:r>
-              <a:rPr lang="en-US" altLang="zh-TW" smtClean="0"/>
+              <a:rPr lang="en-US" altLang="zh-TW"/>
               <a:t>Click to edit Master title style</a:t>
             </a:r>
             <a:endParaRPr lang="zh-TW" altLang="en-US"/>
@@ -1055,7 +1060,7 @@
           <a:p>
             <a:pPr lvl="0"/>
             <a:r>
-              <a:rPr lang="en-US" altLang="zh-TW" smtClean="0"/>
+              <a:rPr lang="en-US" altLang="zh-TW"/>
               <a:t>Edit Master text styles</a:t>
             </a:r>
           </a:p>
@@ -1078,7 +1083,7 @@
           <a:p>
             <a:fld id="{4FF67E25-0EB7-49C6-B24B-548DF23EC124}" type="datetimeFigureOut">
               <a:rPr lang="en-US" smtClean="0"/>
-              <a:t>11/4/2023</a:t>
+              <a:t>2/10/2024</a:t>
             </a:fld>
             <a:endParaRPr lang="en-US"/>
           </a:p>
@@ -1172,7 +1177,7 @@
           <a:lstStyle/>
           <a:p>
             <a:r>
-              <a:rPr lang="en-US" altLang="zh-TW" smtClean="0"/>
+              <a:rPr lang="en-US" altLang="zh-TW"/>
               <a:t>Click to edit Master title style</a:t>
             </a:r>
             <a:endParaRPr lang="zh-TW" altLang="en-US"/>
@@ -1229,35 +1234,35 @@
           <a:p>
             <a:pPr lvl="0"/>
             <a:r>
-              <a:rPr lang="en-US" altLang="zh-TW" smtClean="0"/>
+              <a:rPr lang="en-US" altLang="zh-TW"/>
               <a:t>Edit Master text styles</a:t>
             </a:r>
           </a:p>
           <a:p>
             <a:pPr lvl="1"/>
             <a:r>
-              <a:rPr lang="en-US" altLang="zh-TW" smtClean="0"/>
+              <a:rPr lang="en-US" altLang="zh-TW"/>
               <a:t>Second level</a:t>
             </a:r>
           </a:p>
           <a:p>
             <a:pPr lvl="2"/>
             <a:r>
-              <a:rPr lang="en-US" altLang="zh-TW" smtClean="0"/>
+              <a:rPr lang="en-US" altLang="zh-TW"/>
               <a:t>Third level</a:t>
             </a:r>
           </a:p>
           <a:p>
             <a:pPr lvl="3"/>
             <a:r>
-              <a:rPr lang="en-US" altLang="zh-TW" smtClean="0"/>
+              <a:rPr lang="en-US" altLang="zh-TW"/>
               <a:t>Fourth level</a:t>
             </a:r>
           </a:p>
           <a:p>
             <a:pPr lvl="4"/>
             <a:r>
-              <a:rPr lang="en-US" altLang="zh-TW" smtClean="0"/>
+              <a:rPr lang="en-US" altLang="zh-TW"/>
               <a:t>Fifth level</a:t>
             </a:r>
             <a:endParaRPr lang="zh-TW" altLang="en-US"/>
@@ -1314,35 +1319,35 @@
           <a:p>
             <a:pPr lvl="0"/>
             <a:r>
-              <a:rPr lang="en-US" altLang="zh-TW" smtClean="0"/>
+              <a:rPr lang="en-US" altLang="zh-TW"/>
               <a:t>Edit Master text styles</a:t>
             </a:r>
           </a:p>
           <a:p>
             <a:pPr lvl="1"/>
             <a:r>
-              <a:rPr lang="en-US" altLang="zh-TW" smtClean="0"/>
+              <a:rPr lang="en-US" altLang="zh-TW"/>
               <a:t>Second level</a:t>
             </a:r>
           </a:p>
           <a:p>
             <a:pPr lvl="2"/>
             <a:r>
-              <a:rPr lang="en-US" altLang="zh-TW" smtClean="0"/>
+              <a:rPr lang="en-US" altLang="zh-TW"/>
               <a:t>Third level</a:t>
             </a:r>
           </a:p>
           <a:p>
             <a:pPr lvl="3"/>
             <a:r>
-              <a:rPr lang="en-US" altLang="zh-TW" smtClean="0"/>
+              <a:rPr lang="en-US" altLang="zh-TW"/>
               <a:t>Fourth level</a:t>
             </a:r>
           </a:p>
           <a:p>
             <a:pPr lvl="4"/>
             <a:r>
-              <a:rPr lang="en-US" altLang="zh-TW" smtClean="0"/>
+              <a:rPr lang="en-US" altLang="zh-TW"/>
               <a:t>Fifth level</a:t>
             </a:r>
             <a:endParaRPr lang="zh-TW" altLang="en-US"/>
@@ -1366,7 +1371,7 @@
           <a:p>
             <a:fld id="{4FF67E25-0EB7-49C6-B24B-548DF23EC124}" type="datetimeFigureOut">
               <a:rPr lang="en-US" smtClean="0"/>
-              <a:t>11/4/2023</a:t>
+              <a:t>2/10/2024</a:t>
             </a:fld>
             <a:endParaRPr lang="en-US"/>
           </a:p>
@@ -1464,7 +1469,7 @@
           </a:lstStyle>
           <a:p>
             <a:r>
-              <a:rPr lang="en-US" altLang="zh-TW" smtClean="0"/>
+              <a:rPr lang="en-US" altLang="zh-TW"/>
               <a:t>Click to edit Master title style</a:t>
             </a:r>
             <a:endParaRPr lang="zh-TW" altLang="en-US"/>
@@ -1530,7 +1535,7 @@
           <a:p>
             <a:pPr lvl="0"/>
             <a:r>
-              <a:rPr lang="en-US" altLang="zh-TW" smtClean="0"/>
+              <a:rPr lang="en-US" altLang="zh-TW"/>
               <a:t>Edit Master text styles</a:t>
             </a:r>
           </a:p>
@@ -1586,35 +1591,35 @@
           <a:p>
             <a:pPr lvl="0"/>
             <a:r>
-              <a:rPr lang="en-US" altLang="zh-TW" smtClean="0"/>
+              <a:rPr lang="en-US" altLang="zh-TW"/>
               <a:t>Edit Master text styles</a:t>
             </a:r>
           </a:p>
           <a:p>
             <a:pPr lvl="1"/>
             <a:r>
-              <a:rPr lang="en-US" altLang="zh-TW" smtClean="0"/>
+              <a:rPr lang="en-US" altLang="zh-TW"/>
               <a:t>Second level</a:t>
             </a:r>
           </a:p>
           <a:p>
             <a:pPr lvl="2"/>
             <a:r>
-              <a:rPr lang="en-US" altLang="zh-TW" smtClean="0"/>
+              <a:rPr lang="en-US" altLang="zh-TW"/>
               <a:t>Third level</a:t>
             </a:r>
           </a:p>
           <a:p>
             <a:pPr lvl="3"/>
             <a:r>
-              <a:rPr lang="en-US" altLang="zh-TW" smtClean="0"/>
+              <a:rPr lang="en-US" altLang="zh-TW"/>
               <a:t>Fourth level</a:t>
             </a:r>
           </a:p>
           <a:p>
             <a:pPr lvl="4"/>
             <a:r>
-              <a:rPr lang="en-US" altLang="zh-TW" smtClean="0"/>
+              <a:rPr lang="en-US" altLang="zh-TW"/>
               <a:t>Fifth level</a:t>
             </a:r>
             <a:endParaRPr lang="zh-TW" altLang="en-US"/>
@@ -1680,7 +1685,7 @@
           <a:p>
             <a:pPr lvl="0"/>
             <a:r>
-              <a:rPr lang="en-US" altLang="zh-TW" smtClean="0"/>
+              <a:rPr lang="en-US" altLang="zh-TW"/>
               <a:t>Edit Master text styles</a:t>
             </a:r>
           </a:p>
@@ -1736,35 +1741,35 @@
           <a:p>
             <a:pPr lvl="0"/>
             <a:r>
-              <a:rPr lang="en-US" altLang="zh-TW" smtClean="0"/>
+              <a:rPr lang="en-US" altLang="zh-TW"/>
               <a:t>Edit Master text styles</a:t>
             </a:r>
           </a:p>
           <a:p>
             <a:pPr lvl="1"/>
             <a:r>
-              <a:rPr lang="en-US" altLang="zh-TW" smtClean="0"/>
+              <a:rPr lang="en-US" altLang="zh-TW"/>
               <a:t>Second level</a:t>
             </a:r>
           </a:p>
           <a:p>
             <a:pPr lvl="2"/>
             <a:r>
-              <a:rPr lang="en-US" altLang="zh-TW" smtClean="0"/>
+              <a:rPr lang="en-US" altLang="zh-TW"/>
               <a:t>Third level</a:t>
             </a:r>
           </a:p>
           <a:p>
             <a:pPr lvl="3"/>
             <a:r>
-              <a:rPr lang="en-US" altLang="zh-TW" smtClean="0"/>
+              <a:rPr lang="en-US" altLang="zh-TW"/>
               <a:t>Fourth level</a:t>
             </a:r>
           </a:p>
           <a:p>
             <a:pPr lvl="4"/>
             <a:r>
-              <a:rPr lang="en-US" altLang="zh-TW" smtClean="0"/>
+              <a:rPr lang="en-US" altLang="zh-TW"/>
               <a:t>Fifth level</a:t>
             </a:r>
             <a:endParaRPr lang="zh-TW" altLang="en-US"/>
@@ -1788,7 +1793,7 @@
           <a:p>
             <a:fld id="{4FF67E25-0EB7-49C6-B24B-548DF23EC124}" type="datetimeFigureOut">
               <a:rPr lang="en-US" smtClean="0"/>
-              <a:t>11/4/2023</a:t>
+              <a:t>2/10/2024</a:t>
             </a:fld>
             <a:endParaRPr lang="en-US"/>
           </a:p>
@@ -1882,7 +1887,7 @@
           <a:lstStyle/>
           <a:p>
             <a:r>
-              <a:rPr lang="en-US" altLang="zh-TW" smtClean="0"/>
+              <a:rPr lang="en-US" altLang="zh-TW"/>
               <a:t>Click to edit Master title style</a:t>
             </a:r>
             <a:endParaRPr lang="zh-TW" altLang="en-US"/>
@@ -1906,7 +1911,7 @@
           <a:p>
             <a:fld id="{4FF67E25-0EB7-49C6-B24B-548DF23EC124}" type="datetimeFigureOut">
               <a:rPr lang="en-US" smtClean="0"/>
-              <a:t>11/4/2023</a:t>
+              <a:t>2/10/2024</a:t>
             </a:fld>
             <a:endParaRPr lang="en-US"/>
           </a:p>
@@ -2001,7 +2006,7 @@
           <a:p>
             <a:fld id="{4FF67E25-0EB7-49C6-B24B-548DF23EC124}" type="datetimeFigureOut">
               <a:rPr lang="en-US" smtClean="0"/>
-              <a:t>11/4/2023</a:t>
+              <a:t>2/10/2024</a:t>
             </a:fld>
             <a:endParaRPr lang="en-US"/>
           </a:p>
@@ -2104,7 +2109,7 @@
           </a:lstStyle>
           <a:p>
             <a:r>
-              <a:rPr lang="en-US" altLang="zh-TW" smtClean="0"/>
+              <a:rPr lang="en-US" altLang="zh-TW"/>
               <a:t>Click to edit Master title style</a:t>
             </a:r>
             <a:endParaRPr lang="zh-TW" altLang="en-US"/>
@@ -2161,35 +2166,35 @@
           <a:p>
             <a:pPr lvl="0"/>
             <a:r>
-              <a:rPr lang="en-US" altLang="zh-TW" smtClean="0"/>
+              <a:rPr lang="en-US" altLang="zh-TW"/>
               <a:t>Edit Master text styles</a:t>
             </a:r>
           </a:p>
           <a:p>
             <a:pPr lvl="1"/>
             <a:r>
-              <a:rPr lang="en-US" altLang="zh-TW" smtClean="0"/>
+              <a:rPr lang="en-US" altLang="zh-TW"/>
               <a:t>Second level</a:t>
             </a:r>
           </a:p>
           <a:p>
             <a:pPr lvl="2"/>
             <a:r>
-              <a:rPr lang="en-US" altLang="zh-TW" smtClean="0"/>
+              <a:rPr lang="en-US" altLang="zh-TW"/>
               <a:t>Third level</a:t>
             </a:r>
           </a:p>
           <a:p>
             <a:pPr lvl="3"/>
             <a:r>
-              <a:rPr lang="en-US" altLang="zh-TW" smtClean="0"/>
+              <a:rPr lang="en-US" altLang="zh-TW"/>
               <a:t>Fourth level</a:t>
             </a:r>
           </a:p>
           <a:p>
             <a:pPr lvl="4"/>
             <a:r>
-              <a:rPr lang="en-US" altLang="zh-TW" smtClean="0"/>
+              <a:rPr lang="en-US" altLang="zh-TW"/>
               <a:t>Fifth level</a:t>
             </a:r>
             <a:endParaRPr lang="zh-TW" altLang="en-US"/>
@@ -2255,7 +2260,7 @@
           <a:p>
             <a:pPr lvl="0"/>
             <a:r>
-              <a:rPr lang="en-US" altLang="zh-TW" smtClean="0"/>
+              <a:rPr lang="en-US" altLang="zh-TW"/>
               <a:t>Edit Master text styles</a:t>
             </a:r>
           </a:p>
@@ -2278,7 +2283,7 @@
           <a:p>
             <a:fld id="{4FF67E25-0EB7-49C6-B24B-548DF23EC124}" type="datetimeFigureOut">
               <a:rPr lang="en-US" smtClean="0"/>
-              <a:t>11/4/2023</a:t>
+              <a:t>2/10/2024</a:t>
             </a:fld>
             <a:endParaRPr lang="en-US"/>
           </a:p>
@@ -2381,7 +2386,7 @@
           </a:lstStyle>
           <a:p>
             <a:r>
-              <a:rPr lang="en-US" altLang="zh-TW" smtClean="0"/>
+              <a:rPr lang="en-US" altLang="zh-TW"/>
               <a:t>Click to edit Master title style</a:t>
             </a:r>
             <a:endParaRPr lang="zh-TW" altLang="en-US"/>
@@ -2446,7 +2451,7 @@
           </a:lstStyle>
           <a:p>
             <a:r>
-              <a:rPr lang="en-US" altLang="zh-TW" smtClean="0"/>
+              <a:rPr lang="en-US" altLang="zh-TW"/>
               <a:t>Click icon to add picture</a:t>
             </a:r>
             <a:endParaRPr lang="zh-TW" altLang="en-US"/>
@@ -2512,7 +2517,7 @@
           <a:p>
             <a:pPr lvl="0"/>
             <a:r>
-              <a:rPr lang="en-US" altLang="zh-TW" smtClean="0"/>
+              <a:rPr lang="en-US" altLang="zh-TW"/>
               <a:t>Edit Master text styles</a:t>
             </a:r>
           </a:p>
@@ -2535,7 +2540,7 @@
           <a:p>
             <a:fld id="{4FF67E25-0EB7-49C6-B24B-548DF23EC124}" type="datetimeFigureOut">
               <a:rPr lang="en-US" smtClean="0"/>
-              <a:t>11/4/2023</a:t>
+              <a:t>2/10/2024</a:t>
             </a:fld>
             <a:endParaRPr lang="en-US"/>
           </a:p>
@@ -2649,10 +2654,9 @@
           <a:lstStyle/>
           <a:p>
             <a:r>
-              <a:rPr lang="zh-TW" altLang="en-US" smtClean="0"/>
+              <a:rPr lang="zh-TW" altLang="en-US"/>
               <a:t>按一下以編輯母片標題樣式</a:t>
             </a:r>
-            <a:endParaRPr lang="zh-TW" altLang="en-US"/>
           </a:p>
         </p:txBody>
       </p:sp>
@@ -2683,38 +2687,37 @@
           <a:p>
             <a:pPr lvl="0"/>
             <a:r>
-              <a:rPr lang="zh-TW" altLang="en-US" smtClean="0"/>
+              <a:rPr lang="zh-TW" altLang="en-US"/>
               <a:t>按一下以編輯母片文字樣式</a:t>
             </a:r>
           </a:p>
           <a:p>
             <a:pPr lvl="1"/>
             <a:r>
-              <a:rPr lang="zh-TW" altLang="en-US" smtClean="0"/>
+              <a:rPr lang="zh-TW" altLang="en-US"/>
               <a:t>第二層</a:t>
             </a:r>
           </a:p>
           <a:p>
             <a:pPr lvl="2"/>
             <a:r>
-              <a:rPr lang="zh-TW" altLang="en-US" smtClean="0"/>
+              <a:rPr lang="zh-TW" altLang="en-US"/>
               <a:t>第三層</a:t>
             </a:r>
           </a:p>
           <a:p>
             <a:pPr lvl="3"/>
             <a:r>
-              <a:rPr lang="zh-TW" altLang="en-US" smtClean="0"/>
+              <a:rPr lang="zh-TW" altLang="en-US"/>
               <a:t>第四層</a:t>
             </a:r>
           </a:p>
           <a:p>
             <a:pPr lvl="4"/>
             <a:r>
-              <a:rPr lang="zh-TW" altLang="en-US" smtClean="0"/>
+              <a:rPr lang="zh-TW" altLang="en-US"/>
               <a:t>第五層</a:t>
             </a:r>
-            <a:endParaRPr lang="zh-TW" altLang="en-US"/>
           </a:p>
         </p:txBody>
       </p:sp>
@@ -2753,7 +2756,7 @@
           <a:p>
             <a:fld id="{4FF67E25-0EB7-49C6-B24B-548DF23EC124}" type="datetimeFigureOut">
               <a:rPr lang="en-US" smtClean="0"/>
-              <a:t>11/4/2023</a:t>
+              <a:t>2/10/2024</a:t>
             </a:fld>
             <a:endParaRPr lang="en-US"/>
           </a:p>
@@ -3165,24 +3168,7 @@
                 <a:latin typeface="微軟正黑體" pitchFamily="34" charset="-120"/>
                 <a:ea typeface="微軟正黑體" pitchFamily="34" charset="-120"/>
               </a:rPr>
-              <a:t>有</a:t>
-            </a:r>
-            <a:r>
-              <a:rPr lang="zh-TW" altLang="en-US" sz="7200" b="1" i="1" dirty="0">
-                <a:solidFill>
-                  <a:srgbClr val="000066"/>
-                </a:solidFill>
-                <a:effectLst>
-                  <a:outerShdw blurRad="38100" dist="38100" dir="2700000" algn="tl">
-                    <a:srgbClr val="000000">
-                      <a:alpha val="43137"/>
-                    </a:srgbClr>
-                  </a:outerShdw>
-                </a:effectLst>
-                <a:latin typeface="微軟正黑體" pitchFamily="34" charset="-120"/>
-                <a:ea typeface="微軟正黑體" pitchFamily="34" charset="-120"/>
-              </a:rPr>
-              <a:t>福的確據</a:t>
+              <a:t>有福的確據</a:t>
             </a:r>
           </a:p>
         </p:txBody>
@@ -3241,25 +3227,7 @@
                 <a:ea typeface="微軟正黑體" pitchFamily="34" charset="-120"/>
                 <a:cs typeface="Calibri" panose="020F0502020204030204" pitchFamily="34" charset="0"/>
               </a:rPr>
-              <a:t>Nầy </a:t>
-            </a:r>
-            <a:r>
-              <a:rPr lang="vi-VN" sz="5400" b="1" i="1" dirty="0">
-                <a:solidFill>
-                  <a:srgbClr val="660033"/>
-                </a:solidFill>
-                <a:effectLst>
-                  <a:outerShdw blurRad="38100" dist="38100" dir="2700000" algn="tl">
-                    <a:srgbClr val="000000">
-                      <a:alpha val="43137"/>
-                    </a:srgbClr>
-                  </a:outerShdw>
-                </a:effectLst>
-                <a:latin typeface="Calibri" panose="020F0502020204030204" pitchFamily="34" charset="0"/>
-                <a:ea typeface="微軟正黑體" pitchFamily="34" charset="-120"/>
-                <a:cs typeface="Calibri" panose="020F0502020204030204" pitchFamily="34" charset="0"/>
-              </a:rPr>
-              <a:t>Là Truyện Ký Tôi</a:t>
+              <a:t>Nầy Là Truyện Ký Tôi</a:t>
             </a:r>
             <a:endParaRPr lang="zh-TW" altLang="en-US" sz="5400" b="1" i="1" dirty="0">
               <a:solidFill>
@@ -3540,7 +3508,7 @@
                 <a:ea typeface="微軟正黑體" pitchFamily="34" charset="-120"/>
                 <a:cs typeface="Calibri" panose="020F0502020204030204" pitchFamily="34" charset="0"/>
               </a:rPr>
-              <a:t>thuận</a:t>
+              <a:t>thuần</a:t>
             </a:r>
             <a:r>
               <a:rPr lang="en-US" altLang="zh-TW" sz="4400" b="1" dirty="0">
@@ -3661,18 +3629,7 @@
                 <a:ea typeface="微軟正黑體" pitchFamily="34" charset="-120"/>
                 <a:cs typeface="Calibri" panose="020F0502020204030204" pitchFamily="34" charset="0"/>
               </a:rPr>
-              <a:t> </a:t>
-            </a:r>
-            <a:r>
-              <a:rPr lang="en-US" altLang="zh-TW" sz="4400" b="1" dirty="0" err="1">
-                <a:solidFill>
-                  <a:srgbClr val="660033"/>
-                </a:solidFill>
-                <a:latin typeface="Calibri" panose="020F0502020204030204" pitchFamily="34" charset="0"/>
-                <a:ea typeface="微軟正黑體" pitchFamily="34" charset="-120"/>
-                <a:cs typeface="Calibri" panose="020F0502020204030204" pitchFamily="34" charset="0"/>
-              </a:rPr>
-              <a:t>bao</a:t>
+              <a:t> bao</a:t>
             </a:r>
             <a:endParaRPr lang="en-US" sz="4400" b="1" dirty="0">
               <a:solidFill>
@@ -3714,23 +3671,7 @@
                   <a:srgbClr val="000066"/>
                 </a:solidFill>
               </a:rPr>
-              <a:t>( </a:t>
-            </a:r>
-            <a:r>
-              <a:rPr lang="en-US" sz="3600" b="1" dirty="0">
-                <a:solidFill>
-                  <a:srgbClr val="000066"/>
-                </a:solidFill>
-              </a:rPr>
-              <a:t>2 / 3 </a:t>
-            </a:r>
-            <a:r>
-              <a:rPr lang="en-US" sz="3600" b="1" dirty="0">
-                <a:solidFill>
-                  <a:srgbClr val="000066"/>
-                </a:solidFill>
-              </a:rPr>
-              <a:t>)</a:t>
+              <a:t>( 2 / 3 )</a:t>
             </a:r>
             <a:endParaRPr lang="vi-VN" sz="3600" b="1" dirty="0">
               <a:solidFill>
@@ -4226,23 +4167,7 @@
                   <a:srgbClr val="000066"/>
                 </a:solidFill>
               </a:rPr>
-              <a:t>( </a:t>
-            </a:r>
-            <a:r>
-              <a:rPr lang="en-US" sz="3600" b="1" dirty="0">
-                <a:solidFill>
-                  <a:srgbClr val="000066"/>
-                </a:solidFill>
-              </a:rPr>
-              <a:t>2 / 3 </a:t>
-            </a:r>
-            <a:r>
-              <a:rPr lang="en-US" sz="3600" b="1" dirty="0">
-                <a:solidFill>
-                  <a:srgbClr val="000066"/>
-                </a:solidFill>
-              </a:rPr>
-              <a:t>)</a:t>
+              <a:t>( 2 / 3 )</a:t>
             </a:r>
             <a:endParaRPr lang="vi-VN" sz="3600" b="1" dirty="0">
               <a:solidFill>
@@ -4709,23 +4634,7 @@
                   <a:srgbClr val="000066"/>
                 </a:solidFill>
               </a:rPr>
-              <a:t>( </a:t>
-            </a:r>
-            <a:r>
-              <a:rPr lang="en-US" sz="3600" b="1" dirty="0">
-                <a:solidFill>
-                  <a:srgbClr val="000066"/>
-                </a:solidFill>
-              </a:rPr>
-              <a:t>2 / 3 </a:t>
-            </a:r>
-            <a:r>
-              <a:rPr lang="en-US" sz="3600" b="1" dirty="0">
-                <a:solidFill>
-                  <a:srgbClr val="000066"/>
-                </a:solidFill>
-              </a:rPr>
-              <a:t>)</a:t>
+              <a:t>( 2 / 3 )</a:t>
             </a:r>
             <a:endParaRPr lang="vi-VN" sz="3600" b="1" dirty="0">
               <a:solidFill>
@@ -5170,23 +5079,7 @@
                   <a:srgbClr val="000066"/>
                 </a:solidFill>
               </a:rPr>
-              <a:t>( </a:t>
-            </a:r>
-            <a:r>
-              <a:rPr lang="en-US" sz="3600" b="1" dirty="0">
-                <a:solidFill>
-                  <a:srgbClr val="000066"/>
-                </a:solidFill>
-              </a:rPr>
-              <a:t>2 / 3 </a:t>
-            </a:r>
-            <a:r>
-              <a:rPr lang="en-US" sz="3600" b="1" dirty="0">
-                <a:solidFill>
-                  <a:srgbClr val="000066"/>
-                </a:solidFill>
-              </a:rPr>
-              <a:t>)</a:t>
+              <a:t>( 2 / 3 )</a:t>
             </a:r>
             <a:endParaRPr lang="vi-VN" sz="3600" b="1" dirty="0">
               <a:solidFill>
@@ -7317,23 +7210,7 @@
                   <a:srgbClr val="000066"/>
                 </a:solidFill>
               </a:rPr>
-              <a:t>( </a:t>
-            </a:r>
-            <a:r>
-              <a:rPr lang="en-US" sz="3600" b="1" dirty="0">
-                <a:solidFill>
-                  <a:srgbClr val="000066"/>
-                </a:solidFill>
-              </a:rPr>
-              <a:t>3 / 3 </a:t>
-            </a:r>
-            <a:r>
-              <a:rPr lang="en-US" sz="3600" b="1" dirty="0">
-                <a:solidFill>
-                  <a:srgbClr val="000066"/>
-                </a:solidFill>
-              </a:rPr>
-              <a:t>)</a:t>
+              <a:t>( 3 / 3 )</a:t>
             </a:r>
             <a:endParaRPr lang="vi-VN" sz="3600" b="1" dirty="0">
               <a:solidFill>
@@ -7796,23 +7673,7 @@
                   <a:srgbClr val="000066"/>
                 </a:solidFill>
               </a:rPr>
-              <a:t>( </a:t>
-            </a:r>
-            <a:r>
-              <a:rPr lang="en-US" sz="3600" b="1" dirty="0">
-                <a:solidFill>
-                  <a:srgbClr val="000066"/>
-                </a:solidFill>
-              </a:rPr>
-              <a:t>3 / 3 </a:t>
-            </a:r>
-            <a:r>
-              <a:rPr lang="en-US" sz="3600" b="1" dirty="0">
-                <a:solidFill>
-                  <a:srgbClr val="000066"/>
-                </a:solidFill>
-              </a:rPr>
-              <a:t>)</a:t>
+              <a:t>( 3 / 3 )</a:t>
             </a:r>
             <a:endParaRPr lang="vi-VN" sz="3600" b="1" dirty="0">
               <a:solidFill>
@@ -7887,13 +7748,6 @@
               </a:rPr>
               <a:t>有福的確據  耶穌屬我</a:t>
             </a:r>
-            <a:endParaRPr lang="zh-TW" altLang="en-US" sz="6400" b="1" dirty="0">
-              <a:solidFill>
-                <a:srgbClr val="000066"/>
-              </a:solidFill>
-              <a:latin typeface="Microsoft JhengHei" panose="020B0604030504040204" pitchFamily="34" charset="-120"/>
-              <a:ea typeface="Microsoft JhengHei" panose="020B0604030504040204" pitchFamily="34" charset="-120"/>
-            </a:endParaRPr>
           </a:p>
         </p:txBody>
       </p:sp>
@@ -8253,23 +8107,7 @@
                   <a:srgbClr val="000066"/>
                 </a:solidFill>
               </a:rPr>
-              <a:t>( </a:t>
-            </a:r>
-            <a:r>
-              <a:rPr lang="en-US" sz="3600" b="1" dirty="0">
-                <a:solidFill>
-                  <a:srgbClr val="000066"/>
-                </a:solidFill>
-              </a:rPr>
-              <a:t>1 / 3 </a:t>
-            </a:r>
-            <a:r>
-              <a:rPr lang="en-US" sz="3600" b="1" dirty="0">
-                <a:solidFill>
-                  <a:srgbClr val="000066"/>
-                </a:solidFill>
-              </a:rPr>
-              <a:t>)</a:t>
+              <a:t>( 1 / 3 )</a:t>
             </a:r>
             <a:endParaRPr lang="vi-VN" sz="3600" b="1" dirty="0">
               <a:solidFill>
@@ -8736,23 +8574,7 @@
                   <a:srgbClr val="000066"/>
                 </a:solidFill>
               </a:rPr>
-              <a:t>( </a:t>
-            </a:r>
-            <a:r>
-              <a:rPr lang="en-US" sz="3600" b="1" dirty="0">
-                <a:solidFill>
-                  <a:srgbClr val="000066"/>
-                </a:solidFill>
-              </a:rPr>
-              <a:t>3 / 3 </a:t>
-            </a:r>
-            <a:r>
-              <a:rPr lang="en-US" sz="3600" b="1" dirty="0">
-                <a:solidFill>
-                  <a:srgbClr val="000066"/>
-                </a:solidFill>
-              </a:rPr>
-              <a:t>)</a:t>
+              <a:t>( 3 / 3 )</a:t>
             </a:r>
             <a:endParaRPr lang="vi-VN" sz="3600" b="1" dirty="0">
               <a:solidFill>
@@ -9219,23 +9041,7 @@
                   <a:srgbClr val="000066"/>
                 </a:solidFill>
               </a:rPr>
-              <a:t>( </a:t>
-            </a:r>
-            <a:r>
-              <a:rPr lang="en-US" sz="3600" b="1" dirty="0">
-                <a:solidFill>
-                  <a:srgbClr val="000066"/>
-                </a:solidFill>
-              </a:rPr>
-              <a:t>3 / 3 </a:t>
-            </a:r>
-            <a:r>
-              <a:rPr lang="en-US" sz="3600" b="1" dirty="0">
-                <a:solidFill>
-                  <a:srgbClr val="000066"/>
-                </a:solidFill>
-              </a:rPr>
-              <a:t>)</a:t>
+              <a:t>( 3 / 3 )</a:t>
             </a:r>
             <a:endParaRPr lang="vi-VN" sz="3600" b="1" dirty="0">
               <a:solidFill>
@@ -11320,73 +11126,62 @@
                 <a:ea typeface="微軟正黑體" pitchFamily="34" charset="-120"/>
                 <a:cs typeface="Calibri" panose="020F0502020204030204" pitchFamily="34" charset="0"/>
               </a:rPr>
-              <a:t>vĩnh</a:t>
-            </a:r>
-            <a:r>
-              <a:rPr lang="en-US" altLang="zh-TW" sz="4400" b="1" dirty="0">
-                <a:solidFill>
-                  <a:srgbClr val="660033"/>
-                </a:solidFill>
-                <a:latin typeface="Calibri" panose="020F0502020204030204" pitchFamily="34" charset="0"/>
-                <a:ea typeface="微軟正黑體" pitchFamily="34" charset="-120"/>
-                <a:cs typeface="Calibri" panose="020F0502020204030204" pitchFamily="34" charset="0"/>
-              </a:rPr>
-              <a:t> </a:t>
-            </a:r>
-            <a:r>
-              <a:rPr lang="en-US" altLang="zh-TW" sz="4400" b="1" dirty="0" err="1">
-                <a:solidFill>
-                  <a:srgbClr val="660033"/>
-                </a:solidFill>
-                <a:latin typeface="Calibri" panose="020F0502020204030204" pitchFamily="34" charset="0"/>
-                <a:ea typeface="微軟正黑體" pitchFamily="34" charset="-120"/>
-                <a:cs typeface="Calibri" panose="020F0502020204030204" pitchFamily="34" charset="0"/>
-              </a:rPr>
-              <a:t>sinh</a:t>
-            </a:r>
-            <a:r>
-              <a:rPr lang="en-US" altLang="zh-TW" sz="4400" b="1" dirty="0">
-                <a:solidFill>
-                  <a:srgbClr val="660033"/>
-                </a:solidFill>
-                <a:latin typeface="Calibri" panose="020F0502020204030204" pitchFamily="34" charset="0"/>
-                <a:ea typeface="微軟正黑體" pitchFamily="34" charset="-120"/>
-                <a:cs typeface="Calibri" panose="020F0502020204030204" pitchFamily="34" charset="0"/>
-              </a:rPr>
-              <a:t> </a:t>
-            </a:r>
-            <a:r>
-              <a:rPr lang="en-US" altLang="zh-TW" sz="4400" b="1" dirty="0" err="1">
-                <a:solidFill>
-                  <a:srgbClr val="660033"/>
-                </a:solidFill>
-                <a:latin typeface="Calibri" panose="020F0502020204030204" pitchFamily="34" charset="0"/>
-                <a:ea typeface="微軟正黑體" pitchFamily="34" charset="-120"/>
-                <a:cs typeface="Calibri" panose="020F0502020204030204" pitchFamily="34" charset="0"/>
-              </a:rPr>
-              <a:t>bùi</a:t>
-            </a:r>
-            <a:r>
-              <a:rPr lang="en-US" altLang="zh-TW" sz="4400" b="1" dirty="0">
-                <a:solidFill>
-                  <a:srgbClr val="660033"/>
-                </a:solidFill>
-                <a:latin typeface="Calibri" panose="020F0502020204030204" pitchFamily="34" charset="0"/>
-                <a:ea typeface="微軟正黑體" pitchFamily="34" charset="-120"/>
-                <a:cs typeface="Calibri" panose="020F0502020204030204" pitchFamily="34" charset="0"/>
-              </a:rPr>
-              <a:t> </a:t>
-            </a:r>
-            <a:r>
-              <a:rPr lang="en-US" altLang="zh-TW" sz="4400" b="1" dirty="0" err="1">
-                <a:solidFill>
-                  <a:srgbClr val="660033"/>
-                </a:solidFill>
-                <a:latin typeface="Calibri" panose="020F0502020204030204" pitchFamily="34" charset="0"/>
-                <a:ea typeface="微軟正黑體" pitchFamily="34" charset="-120"/>
-                <a:cs typeface="Calibri" panose="020F0502020204030204" pitchFamily="34" charset="0"/>
-              </a:rPr>
-              <a:t>ngon</a:t>
+              <a:t>Chúa</a:t>
+            </a:r>
+            <a:r>
+              <a:rPr lang="en-US" altLang="zh-TW" sz="4400" b="1" dirty="0">
+                <a:solidFill>
+                  <a:srgbClr val="660033"/>
+                </a:solidFill>
+                <a:latin typeface="Calibri" panose="020F0502020204030204" pitchFamily="34" charset="0"/>
+                <a:ea typeface="微軟正黑體" pitchFamily="34" charset="-120"/>
+                <a:cs typeface="Calibri" panose="020F0502020204030204" pitchFamily="34" charset="0"/>
+              </a:rPr>
+              <a:t> </a:t>
+            </a:r>
+            <a:r>
+              <a:rPr lang="en-US" altLang="zh-TW" sz="4400" b="1" dirty="0" err="1">
+                <a:solidFill>
+                  <a:srgbClr val="660033"/>
+                </a:solidFill>
+                <a:latin typeface="Calibri" panose="020F0502020204030204" pitchFamily="34" charset="0"/>
+                <a:ea typeface="微軟正黑體" pitchFamily="34" charset="-120"/>
+                <a:cs typeface="Calibri" panose="020F0502020204030204" pitchFamily="34" charset="0"/>
+              </a:rPr>
+              <a:t>trên</a:t>
+            </a:r>
+            <a:r>
+              <a:rPr lang="en-US" altLang="zh-TW" sz="4400" b="1" dirty="0">
+                <a:solidFill>
+                  <a:srgbClr val="660033"/>
+                </a:solidFill>
+                <a:latin typeface="Calibri" panose="020F0502020204030204" pitchFamily="34" charset="0"/>
+                <a:ea typeface="微軟正黑體" pitchFamily="34" charset="-120"/>
+                <a:cs typeface="Calibri" panose="020F0502020204030204" pitchFamily="34" charset="0"/>
+              </a:rPr>
+              <a:t> </a:t>
+            </a:r>
+            <a:r>
+              <a:rPr lang="en-US" altLang="zh-TW" sz="4400" b="1" dirty="0" err="1">
+                <a:solidFill>
+                  <a:srgbClr val="660033"/>
+                </a:solidFill>
+                <a:latin typeface="Calibri" panose="020F0502020204030204" pitchFamily="34" charset="0"/>
+                <a:ea typeface="微軟正黑體" pitchFamily="34" charset="-120"/>
+                <a:cs typeface="Calibri" panose="020F0502020204030204" pitchFamily="34" charset="0"/>
+              </a:rPr>
+              <a:t>trời</a:t>
+            </a:r>
+            <a:r>
+              <a:rPr lang="en-US" altLang="zh-TW" sz="4400" b="1" dirty="0">
+                <a:solidFill>
+                  <a:srgbClr val="660033"/>
+                </a:solidFill>
+                <a:latin typeface="Calibri" panose="020F0502020204030204" pitchFamily="34" charset="0"/>
+                <a:ea typeface="微軟正黑體" pitchFamily="34" charset="-120"/>
+                <a:cs typeface="Calibri" panose="020F0502020204030204" pitchFamily="34" charset="0"/>
+              </a:rPr>
+              <a:t> ban</a:t>
             </a:r>
             <a:endParaRPr lang="en-US" sz="4400" b="1" dirty="0">
               <a:solidFill>
@@ -11428,23 +11223,7 @@
                   <a:srgbClr val="000066"/>
                 </a:solidFill>
               </a:rPr>
-              <a:t>( </a:t>
-            </a:r>
-            <a:r>
-              <a:rPr lang="en-US" sz="3600" b="1" dirty="0">
-                <a:solidFill>
-                  <a:srgbClr val="000066"/>
-                </a:solidFill>
-              </a:rPr>
-              <a:t>1 / 3 </a:t>
-            </a:r>
-            <a:r>
-              <a:rPr lang="en-US" sz="3600" b="1" dirty="0">
-                <a:solidFill>
-                  <a:srgbClr val="000066"/>
-                </a:solidFill>
-              </a:rPr>
-              <a:t>)</a:t>
+              <a:t>( 1 / 3 )</a:t>
             </a:r>
             <a:endParaRPr lang="vi-VN" sz="3600" b="1" dirty="0">
               <a:solidFill>
@@ -11911,23 +11690,7 @@
                   <a:srgbClr val="000066"/>
                 </a:solidFill>
               </a:rPr>
-              <a:t>( </a:t>
-            </a:r>
-            <a:r>
-              <a:rPr lang="en-US" sz="3600" b="1" dirty="0">
-                <a:solidFill>
-                  <a:srgbClr val="000066"/>
-                </a:solidFill>
-              </a:rPr>
-              <a:t>1 / 3 </a:t>
-            </a:r>
-            <a:r>
-              <a:rPr lang="en-US" sz="3600" b="1" dirty="0">
-                <a:solidFill>
-                  <a:srgbClr val="000066"/>
-                </a:solidFill>
-              </a:rPr>
-              <a:t>)</a:t>
+              <a:t>( 1 / 3 )</a:t>
             </a:r>
             <a:endParaRPr lang="vi-VN" sz="3600" b="1" dirty="0">
               <a:solidFill>
@@ -12394,23 +12157,7 @@
                   <a:srgbClr val="000066"/>
                 </a:solidFill>
               </a:rPr>
-              <a:t>( </a:t>
-            </a:r>
-            <a:r>
-              <a:rPr lang="en-US" sz="3600" b="1" dirty="0">
-                <a:solidFill>
-                  <a:srgbClr val="000066"/>
-                </a:solidFill>
-              </a:rPr>
-              <a:t>1 / 3 </a:t>
-            </a:r>
-            <a:r>
-              <a:rPr lang="en-US" sz="3600" b="1" dirty="0">
-                <a:solidFill>
-                  <a:srgbClr val="000066"/>
-                </a:solidFill>
-              </a:rPr>
-              <a:t>)</a:t>
+              <a:t>( 1 / 3 )</a:t>
             </a:r>
             <a:endParaRPr lang="vi-VN" sz="3600" b="1" dirty="0">
               <a:solidFill>
